--- a/ppt 16-9/0423.求主快复兴我.pptx
+++ b/ppt 16-9/0423.求主快复兴我.pptx
@@ -129,7 +129,7 @@
           <p:cNvPr id="2" name="标题 1">
             <a:extLst>
               <a:ext uri="{FF2B5EF4-FFF2-40B4-BE49-F238E27FC236}">
-                <a16:creationId xmlns:a16="http://schemas.microsoft.com/office/drawing/2014/main" id="{9E1F83AB-4E3A-6EC8-33D6-60CB87BC4C60}"/>
+                <a16:creationId xmlns:a16="http://schemas.microsoft.com/office/drawing/2014/main" id="{D7B29233-3599-97D6-98E3-84E36DA58FB3}"/>
               </a:ext>
             </a:extLst>
           </p:cNvPr>
@@ -166,7 +166,7 @@
           <p:cNvPr id="3" name="副标题 2">
             <a:extLst>
               <a:ext uri="{FF2B5EF4-FFF2-40B4-BE49-F238E27FC236}">
-                <a16:creationId xmlns:a16="http://schemas.microsoft.com/office/drawing/2014/main" id="{C800EF57-569D-9E84-96FC-2CBF2EE32EA5}"/>
+                <a16:creationId xmlns:a16="http://schemas.microsoft.com/office/drawing/2014/main" id="{BE3D2473-9F01-9A1C-CA12-16DD59C902B5}"/>
               </a:ext>
             </a:extLst>
           </p:cNvPr>
@@ -236,7 +236,7 @@
           <p:cNvPr id="4" name="日期占位符 3">
             <a:extLst>
               <a:ext uri="{FF2B5EF4-FFF2-40B4-BE49-F238E27FC236}">
-                <a16:creationId xmlns:a16="http://schemas.microsoft.com/office/drawing/2014/main" id="{FF7AA631-AEA5-C0F6-7D1C-BEF6F643F0F5}"/>
+                <a16:creationId xmlns:a16="http://schemas.microsoft.com/office/drawing/2014/main" id="{13A025A7-E11E-5804-41C4-36C86E0A8D5A}"/>
               </a:ext>
             </a:extLst>
           </p:cNvPr>
@@ -252,7 +252,7 @@
           <a:bodyPr/>
           <a:lstStyle/>
           <a:p>
-            <a:fld id="{5E634919-F3D1-4B37-8C37-6C8CFBE7E546}" type="datetimeFigureOut">
+            <a:fld id="{CBBC9430-968F-462A-8B7D-FCFB8A0FB5A2}" type="datetimeFigureOut">
               <a:rPr lang="zh-CN" altLang="en-US" smtClean="0"/>
               <a:t>2024/3/10</a:t>
             </a:fld>
@@ -265,7 +265,7 @@
           <p:cNvPr id="5" name="页脚占位符 4">
             <a:extLst>
               <a:ext uri="{FF2B5EF4-FFF2-40B4-BE49-F238E27FC236}">
-                <a16:creationId xmlns:a16="http://schemas.microsoft.com/office/drawing/2014/main" id="{106467A0-D228-9A4D-2C41-19CDD5B5B00A}"/>
+                <a16:creationId xmlns:a16="http://schemas.microsoft.com/office/drawing/2014/main" id="{B7BC4749-E7A2-EE50-B4F7-01D2B5F7C0DE}"/>
               </a:ext>
             </a:extLst>
           </p:cNvPr>
@@ -290,7 +290,7 @@
           <p:cNvPr id="6" name="灯片编号占位符 5">
             <a:extLst>
               <a:ext uri="{FF2B5EF4-FFF2-40B4-BE49-F238E27FC236}">
-                <a16:creationId xmlns:a16="http://schemas.microsoft.com/office/drawing/2014/main" id="{F9BFAC4A-05EF-5DA5-2C23-B27D5DF7D5D3}"/>
+                <a16:creationId xmlns:a16="http://schemas.microsoft.com/office/drawing/2014/main" id="{B3CC5BB2-652F-F896-B24E-2775BCE93FBF}"/>
               </a:ext>
             </a:extLst>
           </p:cNvPr>
@@ -306,7 +306,7 @@
           <a:bodyPr/>
           <a:lstStyle/>
           <a:p>
-            <a:fld id="{2FA0CA3F-6FBB-4755-81E5-7E3669F30A83}" type="slidenum">
+            <a:fld id="{FF6DC2EA-8BFE-4F0D-B3CF-E8F26B38F22A}" type="slidenum">
               <a:rPr lang="zh-CN" altLang="en-US" smtClean="0"/>
               <a:t>‹#›</a:t>
             </a:fld>
@@ -317,7 +317,7 @@
     </p:spTree>
     <p:extLst>
       <p:ext uri="{BB962C8B-B14F-4D97-AF65-F5344CB8AC3E}">
-        <p14:creationId xmlns:p14="http://schemas.microsoft.com/office/powerpoint/2010/main" val="4172716240"/>
+        <p14:creationId xmlns:p14="http://schemas.microsoft.com/office/powerpoint/2010/main" val="1511256041"/>
       </p:ext>
     </p:extLst>
   </p:cSld>
@@ -349,7 +349,7 @@
           <p:cNvPr id="2" name="标题 1">
             <a:extLst>
               <a:ext uri="{FF2B5EF4-FFF2-40B4-BE49-F238E27FC236}">
-                <a16:creationId xmlns:a16="http://schemas.microsoft.com/office/drawing/2014/main" id="{71EC78C0-ED5C-EDC7-331A-8B26BF7E3B69}"/>
+                <a16:creationId xmlns:a16="http://schemas.microsoft.com/office/drawing/2014/main" id="{99851842-1834-F930-E35A-F5C76791106A}"/>
               </a:ext>
             </a:extLst>
           </p:cNvPr>
@@ -377,7 +377,7 @@
           <p:cNvPr id="3" name="竖排文字占位符 2">
             <a:extLst>
               <a:ext uri="{FF2B5EF4-FFF2-40B4-BE49-F238E27FC236}">
-                <a16:creationId xmlns:a16="http://schemas.microsoft.com/office/drawing/2014/main" id="{5BD8744B-67AA-B232-237F-C7079372C10E}"/>
+                <a16:creationId xmlns:a16="http://schemas.microsoft.com/office/drawing/2014/main" id="{9F4503DA-E4B3-F145-6D78-F3EDA340020D}"/>
               </a:ext>
             </a:extLst>
           </p:cNvPr>
@@ -434,7 +434,7 @@
           <p:cNvPr id="4" name="日期占位符 3">
             <a:extLst>
               <a:ext uri="{FF2B5EF4-FFF2-40B4-BE49-F238E27FC236}">
-                <a16:creationId xmlns:a16="http://schemas.microsoft.com/office/drawing/2014/main" id="{5CED62E9-3695-FC46-2E35-FBF34D338EE0}"/>
+                <a16:creationId xmlns:a16="http://schemas.microsoft.com/office/drawing/2014/main" id="{D978306F-B653-7B85-7037-1CD4223DABA3}"/>
               </a:ext>
             </a:extLst>
           </p:cNvPr>
@@ -450,7 +450,7 @@
           <a:bodyPr/>
           <a:lstStyle/>
           <a:p>
-            <a:fld id="{5E634919-F3D1-4B37-8C37-6C8CFBE7E546}" type="datetimeFigureOut">
+            <a:fld id="{CBBC9430-968F-462A-8B7D-FCFB8A0FB5A2}" type="datetimeFigureOut">
               <a:rPr lang="zh-CN" altLang="en-US" smtClean="0"/>
               <a:t>2024/3/10</a:t>
             </a:fld>
@@ -463,7 +463,7 @@
           <p:cNvPr id="5" name="页脚占位符 4">
             <a:extLst>
               <a:ext uri="{FF2B5EF4-FFF2-40B4-BE49-F238E27FC236}">
-                <a16:creationId xmlns:a16="http://schemas.microsoft.com/office/drawing/2014/main" id="{62E976AC-A528-058E-E3E4-C18B94B634C1}"/>
+                <a16:creationId xmlns:a16="http://schemas.microsoft.com/office/drawing/2014/main" id="{1D8D0CFE-9E0C-2E04-C12B-EAA479A17A06}"/>
               </a:ext>
             </a:extLst>
           </p:cNvPr>
@@ -488,7 +488,7 @@
           <p:cNvPr id="6" name="灯片编号占位符 5">
             <a:extLst>
               <a:ext uri="{FF2B5EF4-FFF2-40B4-BE49-F238E27FC236}">
-                <a16:creationId xmlns:a16="http://schemas.microsoft.com/office/drawing/2014/main" id="{A5956163-D96B-5CF0-0814-246B9D38C865}"/>
+                <a16:creationId xmlns:a16="http://schemas.microsoft.com/office/drawing/2014/main" id="{478DFB09-23AC-A925-E9E2-5919303D5831}"/>
               </a:ext>
             </a:extLst>
           </p:cNvPr>
@@ -504,7 +504,7 @@
           <a:bodyPr/>
           <a:lstStyle/>
           <a:p>
-            <a:fld id="{2FA0CA3F-6FBB-4755-81E5-7E3669F30A83}" type="slidenum">
+            <a:fld id="{FF6DC2EA-8BFE-4F0D-B3CF-E8F26B38F22A}" type="slidenum">
               <a:rPr lang="zh-CN" altLang="en-US" smtClean="0"/>
               <a:t>‹#›</a:t>
             </a:fld>
@@ -515,7 +515,7 @@
     </p:spTree>
     <p:extLst>
       <p:ext uri="{BB962C8B-B14F-4D97-AF65-F5344CB8AC3E}">
-        <p14:creationId xmlns:p14="http://schemas.microsoft.com/office/powerpoint/2010/main" val="2837136773"/>
+        <p14:creationId xmlns:p14="http://schemas.microsoft.com/office/powerpoint/2010/main" val="197468780"/>
       </p:ext>
     </p:extLst>
   </p:cSld>
@@ -547,7 +547,7 @@
           <p:cNvPr id="2" name="竖排标题 1">
             <a:extLst>
               <a:ext uri="{FF2B5EF4-FFF2-40B4-BE49-F238E27FC236}">
-                <a16:creationId xmlns:a16="http://schemas.microsoft.com/office/drawing/2014/main" id="{EA2A178E-A406-044E-1D58-8A0AB574FA45}"/>
+                <a16:creationId xmlns:a16="http://schemas.microsoft.com/office/drawing/2014/main" id="{3E54D57A-F0CF-CB0B-FB11-22805652EEC5}"/>
               </a:ext>
             </a:extLst>
           </p:cNvPr>
@@ -580,7 +580,7 @@
           <p:cNvPr id="3" name="竖排文字占位符 2">
             <a:extLst>
               <a:ext uri="{FF2B5EF4-FFF2-40B4-BE49-F238E27FC236}">
-                <a16:creationId xmlns:a16="http://schemas.microsoft.com/office/drawing/2014/main" id="{7A81E41D-DE9D-D883-BAE1-0708AE6E969D}"/>
+                <a16:creationId xmlns:a16="http://schemas.microsoft.com/office/drawing/2014/main" id="{438ABC9F-F6B7-A86E-3A27-1F0972749BCA}"/>
               </a:ext>
             </a:extLst>
           </p:cNvPr>
@@ -642,7 +642,7 @@
           <p:cNvPr id="4" name="日期占位符 3">
             <a:extLst>
               <a:ext uri="{FF2B5EF4-FFF2-40B4-BE49-F238E27FC236}">
-                <a16:creationId xmlns:a16="http://schemas.microsoft.com/office/drawing/2014/main" id="{87D8A0B8-3094-556B-9A52-088966DF366B}"/>
+                <a16:creationId xmlns:a16="http://schemas.microsoft.com/office/drawing/2014/main" id="{A3344BD1-4577-DE2E-B988-24129721C548}"/>
               </a:ext>
             </a:extLst>
           </p:cNvPr>
@@ -658,7 +658,7 @@
           <a:bodyPr/>
           <a:lstStyle/>
           <a:p>
-            <a:fld id="{5E634919-F3D1-4B37-8C37-6C8CFBE7E546}" type="datetimeFigureOut">
+            <a:fld id="{CBBC9430-968F-462A-8B7D-FCFB8A0FB5A2}" type="datetimeFigureOut">
               <a:rPr lang="zh-CN" altLang="en-US" smtClean="0"/>
               <a:t>2024/3/10</a:t>
             </a:fld>
@@ -671,7 +671,7 @@
           <p:cNvPr id="5" name="页脚占位符 4">
             <a:extLst>
               <a:ext uri="{FF2B5EF4-FFF2-40B4-BE49-F238E27FC236}">
-                <a16:creationId xmlns:a16="http://schemas.microsoft.com/office/drawing/2014/main" id="{9522329F-6395-6A5A-5ED9-39926AC255B0}"/>
+                <a16:creationId xmlns:a16="http://schemas.microsoft.com/office/drawing/2014/main" id="{CE859B80-01DD-A6C6-A468-76C3653E8A82}"/>
               </a:ext>
             </a:extLst>
           </p:cNvPr>
@@ -696,7 +696,7 @@
           <p:cNvPr id="6" name="灯片编号占位符 5">
             <a:extLst>
               <a:ext uri="{FF2B5EF4-FFF2-40B4-BE49-F238E27FC236}">
-                <a16:creationId xmlns:a16="http://schemas.microsoft.com/office/drawing/2014/main" id="{4A3719CE-8C4C-DD75-10E8-4C1A6AB2FB88}"/>
+                <a16:creationId xmlns:a16="http://schemas.microsoft.com/office/drawing/2014/main" id="{31704AD8-65D3-2C09-AFB7-2DCE80B5F94A}"/>
               </a:ext>
             </a:extLst>
           </p:cNvPr>
@@ -712,7 +712,7 @@
           <a:bodyPr/>
           <a:lstStyle/>
           <a:p>
-            <a:fld id="{2FA0CA3F-6FBB-4755-81E5-7E3669F30A83}" type="slidenum">
+            <a:fld id="{FF6DC2EA-8BFE-4F0D-B3CF-E8F26B38F22A}" type="slidenum">
               <a:rPr lang="zh-CN" altLang="en-US" smtClean="0"/>
               <a:t>‹#›</a:t>
             </a:fld>
@@ -723,7 +723,7 @@
     </p:spTree>
     <p:extLst>
       <p:ext uri="{BB962C8B-B14F-4D97-AF65-F5344CB8AC3E}">
-        <p14:creationId xmlns:p14="http://schemas.microsoft.com/office/powerpoint/2010/main" val="2333262532"/>
+        <p14:creationId xmlns:p14="http://schemas.microsoft.com/office/powerpoint/2010/main" val="1947778425"/>
       </p:ext>
     </p:extLst>
   </p:cSld>
@@ -755,7 +755,7 @@
           <p:cNvPr id="2" name="标题 1">
             <a:extLst>
               <a:ext uri="{FF2B5EF4-FFF2-40B4-BE49-F238E27FC236}">
-                <a16:creationId xmlns:a16="http://schemas.microsoft.com/office/drawing/2014/main" id="{EC92250B-D0B6-9BCF-B292-FB48DD269238}"/>
+                <a16:creationId xmlns:a16="http://schemas.microsoft.com/office/drawing/2014/main" id="{8D590EB9-4AF0-C2FC-450A-2AF0B15F4EEA}"/>
               </a:ext>
             </a:extLst>
           </p:cNvPr>
@@ -783,7 +783,7 @@
           <p:cNvPr id="3" name="内容占位符 2">
             <a:extLst>
               <a:ext uri="{FF2B5EF4-FFF2-40B4-BE49-F238E27FC236}">
-                <a16:creationId xmlns:a16="http://schemas.microsoft.com/office/drawing/2014/main" id="{D6CEF2F6-2056-4AD5-67F5-8DA854599766}"/>
+                <a16:creationId xmlns:a16="http://schemas.microsoft.com/office/drawing/2014/main" id="{944FA0F4-E2DB-83AD-BC81-7085330496D6}"/>
               </a:ext>
             </a:extLst>
           </p:cNvPr>
@@ -840,7 +840,7 @@
           <p:cNvPr id="4" name="日期占位符 3">
             <a:extLst>
               <a:ext uri="{FF2B5EF4-FFF2-40B4-BE49-F238E27FC236}">
-                <a16:creationId xmlns:a16="http://schemas.microsoft.com/office/drawing/2014/main" id="{0FDAF48D-DBA3-88DB-1FAA-CBB987BA43F9}"/>
+                <a16:creationId xmlns:a16="http://schemas.microsoft.com/office/drawing/2014/main" id="{55FFFE10-718A-3799-4797-43B1ADC828D3}"/>
               </a:ext>
             </a:extLst>
           </p:cNvPr>
@@ -856,7 +856,7 @@
           <a:bodyPr/>
           <a:lstStyle/>
           <a:p>
-            <a:fld id="{5E634919-F3D1-4B37-8C37-6C8CFBE7E546}" type="datetimeFigureOut">
+            <a:fld id="{CBBC9430-968F-462A-8B7D-FCFB8A0FB5A2}" type="datetimeFigureOut">
               <a:rPr lang="zh-CN" altLang="en-US" smtClean="0"/>
               <a:t>2024/3/10</a:t>
             </a:fld>
@@ -869,7 +869,7 @@
           <p:cNvPr id="5" name="页脚占位符 4">
             <a:extLst>
               <a:ext uri="{FF2B5EF4-FFF2-40B4-BE49-F238E27FC236}">
-                <a16:creationId xmlns:a16="http://schemas.microsoft.com/office/drawing/2014/main" id="{FF6415D0-CE57-A6F1-E0BC-0B472DFD51D6}"/>
+                <a16:creationId xmlns:a16="http://schemas.microsoft.com/office/drawing/2014/main" id="{0C729E22-4624-8D77-02EB-F5C7AC28F664}"/>
               </a:ext>
             </a:extLst>
           </p:cNvPr>
@@ -894,7 +894,7 @@
           <p:cNvPr id="6" name="灯片编号占位符 5">
             <a:extLst>
               <a:ext uri="{FF2B5EF4-FFF2-40B4-BE49-F238E27FC236}">
-                <a16:creationId xmlns:a16="http://schemas.microsoft.com/office/drawing/2014/main" id="{AD296CBD-3C2A-DA04-BF58-28C0FC4DCD85}"/>
+                <a16:creationId xmlns:a16="http://schemas.microsoft.com/office/drawing/2014/main" id="{140D48FB-C3C0-D759-3298-43E4F23A5FC5}"/>
               </a:ext>
             </a:extLst>
           </p:cNvPr>
@@ -910,7 +910,7 @@
           <a:bodyPr/>
           <a:lstStyle/>
           <a:p>
-            <a:fld id="{2FA0CA3F-6FBB-4755-81E5-7E3669F30A83}" type="slidenum">
+            <a:fld id="{FF6DC2EA-8BFE-4F0D-B3CF-E8F26B38F22A}" type="slidenum">
               <a:rPr lang="zh-CN" altLang="en-US" smtClean="0"/>
               <a:t>‹#›</a:t>
             </a:fld>
@@ -921,7 +921,7 @@
     </p:spTree>
     <p:extLst>
       <p:ext uri="{BB962C8B-B14F-4D97-AF65-F5344CB8AC3E}">
-        <p14:creationId xmlns:p14="http://schemas.microsoft.com/office/powerpoint/2010/main" val="3296735459"/>
+        <p14:creationId xmlns:p14="http://schemas.microsoft.com/office/powerpoint/2010/main" val="1743069929"/>
       </p:ext>
     </p:extLst>
   </p:cSld>
@@ -953,7 +953,7 @@
           <p:cNvPr id="2" name="标题 1">
             <a:extLst>
               <a:ext uri="{FF2B5EF4-FFF2-40B4-BE49-F238E27FC236}">
-                <a16:creationId xmlns:a16="http://schemas.microsoft.com/office/drawing/2014/main" id="{6433BA1B-3440-D899-8C32-2FACC51A554E}"/>
+                <a16:creationId xmlns:a16="http://schemas.microsoft.com/office/drawing/2014/main" id="{32177933-7FF3-631D-EA87-D9B02D12166F}"/>
               </a:ext>
             </a:extLst>
           </p:cNvPr>
@@ -990,7 +990,7 @@
           <p:cNvPr id="3" name="文本占位符 2">
             <a:extLst>
               <a:ext uri="{FF2B5EF4-FFF2-40B4-BE49-F238E27FC236}">
-                <a16:creationId xmlns:a16="http://schemas.microsoft.com/office/drawing/2014/main" id="{0F690890-F824-E1F6-8A72-F6D31D1BD135}"/>
+                <a16:creationId xmlns:a16="http://schemas.microsoft.com/office/drawing/2014/main" id="{C81C6C70-8B3C-8AA3-13CD-EAE3EA365D38}"/>
               </a:ext>
             </a:extLst>
           </p:cNvPr>
@@ -1115,7 +1115,7 @@
           <p:cNvPr id="4" name="日期占位符 3">
             <a:extLst>
               <a:ext uri="{FF2B5EF4-FFF2-40B4-BE49-F238E27FC236}">
-                <a16:creationId xmlns:a16="http://schemas.microsoft.com/office/drawing/2014/main" id="{6D932737-A173-97FF-56C1-F86A6400D56D}"/>
+                <a16:creationId xmlns:a16="http://schemas.microsoft.com/office/drawing/2014/main" id="{14B3D253-0B73-23DB-F9B6-7650EE9967DC}"/>
               </a:ext>
             </a:extLst>
           </p:cNvPr>
@@ -1131,7 +1131,7 @@
           <a:bodyPr/>
           <a:lstStyle/>
           <a:p>
-            <a:fld id="{5E634919-F3D1-4B37-8C37-6C8CFBE7E546}" type="datetimeFigureOut">
+            <a:fld id="{CBBC9430-968F-462A-8B7D-FCFB8A0FB5A2}" type="datetimeFigureOut">
               <a:rPr lang="zh-CN" altLang="en-US" smtClean="0"/>
               <a:t>2024/3/10</a:t>
             </a:fld>
@@ -1144,7 +1144,7 @@
           <p:cNvPr id="5" name="页脚占位符 4">
             <a:extLst>
               <a:ext uri="{FF2B5EF4-FFF2-40B4-BE49-F238E27FC236}">
-                <a16:creationId xmlns:a16="http://schemas.microsoft.com/office/drawing/2014/main" id="{9C1B60F6-97FD-BFCF-57ED-D9F9DD01EAF7}"/>
+                <a16:creationId xmlns:a16="http://schemas.microsoft.com/office/drawing/2014/main" id="{928FC1D2-A781-E38C-2DF7-3AF11D032FCD}"/>
               </a:ext>
             </a:extLst>
           </p:cNvPr>
@@ -1169,7 +1169,7 @@
           <p:cNvPr id="6" name="灯片编号占位符 5">
             <a:extLst>
               <a:ext uri="{FF2B5EF4-FFF2-40B4-BE49-F238E27FC236}">
-                <a16:creationId xmlns:a16="http://schemas.microsoft.com/office/drawing/2014/main" id="{FE2D0658-6340-6A30-EB67-8AABBEF1E61F}"/>
+                <a16:creationId xmlns:a16="http://schemas.microsoft.com/office/drawing/2014/main" id="{4E515024-C45F-A2D2-DACC-E1E7344EE04D}"/>
               </a:ext>
             </a:extLst>
           </p:cNvPr>
@@ -1185,7 +1185,7 @@
           <a:bodyPr/>
           <a:lstStyle/>
           <a:p>
-            <a:fld id="{2FA0CA3F-6FBB-4755-81E5-7E3669F30A83}" type="slidenum">
+            <a:fld id="{FF6DC2EA-8BFE-4F0D-B3CF-E8F26B38F22A}" type="slidenum">
               <a:rPr lang="zh-CN" altLang="en-US" smtClean="0"/>
               <a:t>‹#›</a:t>
             </a:fld>
@@ -1196,7 +1196,7 @@
     </p:spTree>
     <p:extLst>
       <p:ext uri="{BB962C8B-B14F-4D97-AF65-F5344CB8AC3E}">
-        <p14:creationId xmlns:p14="http://schemas.microsoft.com/office/powerpoint/2010/main" val="3886135708"/>
+        <p14:creationId xmlns:p14="http://schemas.microsoft.com/office/powerpoint/2010/main" val="3530301873"/>
       </p:ext>
     </p:extLst>
   </p:cSld>
@@ -1228,7 +1228,7 @@
           <p:cNvPr id="2" name="标题 1">
             <a:extLst>
               <a:ext uri="{FF2B5EF4-FFF2-40B4-BE49-F238E27FC236}">
-                <a16:creationId xmlns:a16="http://schemas.microsoft.com/office/drawing/2014/main" id="{3A355874-8E68-E521-0B2D-AC031EFA535F}"/>
+                <a16:creationId xmlns:a16="http://schemas.microsoft.com/office/drawing/2014/main" id="{7774CC28-CE73-8F2F-8F4E-C2A74B1D173F}"/>
               </a:ext>
             </a:extLst>
           </p:cNvPr>
@@ -1256,7 +1256,7 @@
           <p:cNvPr id="3" name="内容占位符 2">
             <a:extLst>
               <a:ext uri="{FF2B5EF4-FFF2-40B4-BE49-F238E27FC236}">
-                <a16:creationId xmlns:a16="http://schemas.microsoft.com/office/drawing/2014/main" id="{83990013-3B1B-C3C2-5BF4-432257BB34C0}"/>
+                <a16:creationId xmlns:a16="http://schemas.microsoft.com/office/drawing/2014/main" id="{0E6D27CB-4464-2063-7FEA-514380FB61A3}"/>
               </a:ext>
             </a:extLst>
           </p:cNvPr>
@@ -1318,7 +1318,7 @@
           <p:cNvPr id="4" name="内容占位符 3">
             <a:extLst>
               <a:ext uri="{FF2B5EF4-FFF2-40B4-BE49-F238E27FC236}">
-                <a16:creationId xmlns:a16="http://schemas.microsoft.com/office/drawing/2014/main" id="{540953E5-1DA0-7B02-99A4-C77F7916AD7F}"/>
+                <a16:creationId xmlns:a16="http://schemas.microsoft.com/office/drawing/2014/main" id="{57FD6453-3CC8-74EF-C785-09062D0F8927}"/>
               </a:ext>
             </a:extLst>
           </p:cNvPr>
@@ -1380,7 +1380,7 @@
           <p:cNvPr id="5" name="日期占位符 4">
             <a:extLst>
               <a:ext uri="{FF2B5EF4-FFF2-40B4-BE49-F238E27FC236}">
-                <a16:creationId xmlns:a16="http://schemas.microsoft.com/office/drawing/2014/main" id="{D196DB9C-6C01-5798-A643-4D8E8CE63742}"/>
+                <a16:creationId xmlns:a16="http://schemas.microsoft.com/office/drawing/2014/main" id="{BB4DD829-6115-B910-7165-8ECB71237E17}"/>
               </a:ext>
             </a:extLst>
           </p:cNvPr>
@@ -1396,7 +1396,7 @@
           <a:bodyPr/>
           <a:lstStyle/>
           <a:p>
-            <a:fld id="{5E634919-F3D1-4B37-8C37-6C8CFBE7E546}" type="datetimeFigureOut">
+            <a:fld id="{CBBC9430-968F-462A-8B7D-FCFB8A0FB5A2}" type="datetimeFigureOut">
               <a:rPr lang="zh-CN" altLang="en-US" smtClean="0"/>
               <a:t>2024/3/10</a:t>
             </a:fld>
@@ -1409,7 +1409,7 @@
           <p:cNvPr id="6" name="页脚占位符 5">
             <a:extLst>
               <a:ext uri="{FF2B5EF4-FFF2-40B4-BE49-F238E27FC236}">
-                <a16:creationId xmlns:a16="http://schemas.microsoft.com/office/drawing/2014/main" id="{5E06B279-4705-BCA7-3B26-1E9A2223EECA}"/>
+                <a16:creationId xmlns:a16="http://schemas.microsoft.com/office/drawing/2014/main" id="{306215AD-2816-675C-F591-8C1CD40193E9}"/>
               </a:ext>
             </a:extLst>
           </p:cNvPr>
@@ -1434,7 +1434,7 @@
           <p:cNvPr id="7" name="灯片编号占位符 6">
             <a:extLst>
               <a:ext uri="{FF2B5EF4-FFF2-40B4-BE49-F238E27FC236}">
-                <a16:creationId xmlns:a16="http://schemas.microsoft.com/office/drawing/2014/main" id="{A70661AF-818D-184C-D249-19597AE733C4}"/>
+                <a16:creationId xmlns:a16="http://schemas.microsoft.com/office/drawing/2014/main" id="{0882A8F3-7301-B239-593E-1D8428D0FE7D}"/>
               </a:ext>
             </a:extLst>
           </p:cNvPr>
@@ -1450,7 +1450,7 @@
           <a:bodyPr/>
           <a:lstStyle/>
           <a:p>
-            <a:fld id="{2FA0CA3F-6FBB-4755-81E5-7E3669F30A83}" type="slidenum">
+            <a:fld id="{FF6DC2EA-8BFE-4F0D-B3CF-E8F26B38F22A}" type="slidenum">
               <a:rPr lang="zh-CN" altLang="en-US" smtClean="0"/>
               <a:t>‹#›</a:t>
             </a:fld>
@@ -1461,7 +1461,7 @@
     </p:spTree>
     <p:extLst>
       <p:ext uri="{BB962C8B-B14F-4D97-AF65-F5344CB8AC3E}">
-        <p14:creationId xmlns:p14="http://schemas.microsoft.com/office/powerpoint/2010/main" val="2650989482"/>
+        <p14:creationId xmlns:p14="http://schemas.microsoft.com/office/powerpoint/2010/main" val="1256454390"/>
       </p:ext>
     </p:extLst>
   </p:cSld>
@@ -1493,7 +1493,7 @@
           <p:cNvPr id="2" name="标题 1">
             <a:extLst>
               <a:ext uri="{FF2B5EF4-FFF2-40B4-BE49-F238E27FC236}">
-                <a16:creationId xmlns:a16="http://schemas.microsoft.com/office/drawing/2014/main" id="{92108501-E0E4-D506-E4E4-DA483DDBB47F}"/>
+                <a16:creationId xmlns:a16="http://schemas.microsoft.com/office/drawing/2014/main" id="{B95797EC-4BFF-2AF2-3D29-AF6F0524DF32}"/>
               </a:ext>
             </a:extLst>
           </p:cNvPr>
@@ -1526,7 +1526,7 @@
           <p:cNvPr id="3" name="文本占位符 2">
             <a:extLst>
               <a:ext uri="{FF2B5EF4-FFF2-40B4-BE49-F238E27FC236}">
-                <a16:creationId xmlns:a16="http://schemas.microsoft.com/office/drawing/2014/main" id="{9F91A523-495A-C09A-FC42-C344CC6D092B}"/>
+                <a16:creationId xmlns:a16="http://schemas.microsoft.com/office/drawing/2014/main" id="{C00CCC17-F8F3-7CB4-8B53-233C86405A07}"/>
               </a:ext>
             </a:extLst>
           </p:cNvPr>
@@ -1597,7 +1597,7 @@
           <p:cNvPr id="4" name="内容占位符 3">
             <a:extLst>
               <a:ext uri="{FF2B5EF4-FFF2-40B4-BE49-F238E27FC236}">
-                <a16:creationId xmlns:a16="http://schemas.microsoft.com/office/drawing/2014/main" id="{3A66CDA0-56B2-5E7B-85AC-C526ACF394C5}"/>
+                <a16:creationId xmlns:a16="http://schemas.microsoft.com/office/drawing/2014/main" id="{ECB9207F-4EB2-84C5-2463-D40622A31824}"/>
               </a:ext>
             </a:extLst>
           </p:cNvPr>
@@ -1659,7 +1659,7 @@
           <p:cNvPr id="5" name="文本占位符 4">
             <a:extLst>
               <a:ext uri="{FF2B5EF4-FFF2-40B4-BE49-F238E27FC236}">
-                <a16:creationId xmlns:a16="http://schemas.microsoft.com/office/drawing/2014/main" id="{070C5440-6222-277E-9301-8A1EB4D0B38C}"/>
+                <a16:creationId xmlns:a16="http://schemas.microsoft.com/office/drawing/2014/main" id="{7660EC55-83F1-467E-4C80-C5C1B4A8AE73}"/>
               </a:ext>
             </a:extLst>
           </p:cNvPr>
@@ -1730,7 +1730,7 @@
           <p:cNvPr id="6" name="内容占位符 5">
             <a:extLst>
               <a:ext uri="{FF2B5EF4-FFF2-40B4-BE49-F238E27FC236}">
-                <a16:creationId xmlns:a16="http://schemas.microsoft.com/office/drawing/2014/main" id="{7FCD82F9-1A9C-127E-F7CF-2BF9AD13DA23}"/>
+                <a16:creationId xmlns:a16="http://schemas.microsoft.com/office/drawing/2014/main" id="{F27056D8-BBD4-2CF4-493A-157BEFEFA984}"/>
               </a:ext>
             </a:extLst>
           </p:cNvPr>
@@ -1792,7 +1792,7 @@
           <p:cNvPr id="7" name="日期占位符 6">
             <a:extLst>
               <a:ext uri="{FF2B5EF4-FFF2-40B4-BE49-F238E27FC236}">
-                <a16:creationId xmlns:a16="http://schemas.microsoft.com/office/drawing/2014/main" id="{B2680458-55FD-46C0-F132-84725BBBE989}"/>
+                <a16:creationId xmlns:a16="http://schemas.microsoft.com/office/drawing/2014/main" id="{D48BC84F-9A6A-F09A-690D-EA1C022F2564}"/>
               </a:ext>
             </a:extLst>
           </p:cNvPr>
@@ -1808,7 +1808,7 @@
           <a:bodyPr/>
           <a:lstStyle/>
           <a:p>
-            <a:fld id="{5E634919-F3D1-4B37-8C37-6C8CFBE7E546}" type="datetimeFigureOut">
+            <a:fld id="{CBBC9430-968F-462A-8B7D-FCFB8A0FB5A2}" type="datetimeFigureOut">
               <a:rPr lang="zh-CN" altLang="en-US" smtClean="0"/>
               <a:t>2024/3/10</a:t>
             </a:fld>
@@ -1821,7 +1821,7 @@
           <p:cNvPr id="8" name="页脚占位符 7">
             <a:extLst>
               <a:ext uri="{FF2B5EF4-FFF2-40B4-BE49-F238E27FC236}">
-                <a16:creationId xmlns:a16="http://schemas.microsoft.com/office/drawing/2014/main" id="{984B3FA8-775E-15F1-8A16-77E079599B69}"/>
+                <a16:creationId xmlns:a16="http://schemas.microsoft.com/office/drawing/2014/main" id="{BCDC04EB-561C-1717-D119-0EB3F9EB0118}"/>
               </a:ext>
             </a:extLst>
           </p:cNvPr>
@@ -1846,7 +1846,7 @@
           <p:cNvPr id="9" name="灯片编号占位符 8">
             <a:extLst>
               <a:ext uri="{FF2B5EF4-FFF2-40B4-BE49-F238E27FC236}">
-                <a16:creationId xmlns:a16="http://schemas.microsoft.com/office/drawing/2014/main" id="{206442D4-FC73-1EC1-0826-5E67A7D0F195}"/>
+                <a16:creationId xmlns:a16="http://schemas.microsoft.com/office/drawing/2014/main" id="{9066ABCE-D20D-DFB7-4921-BEED571A0871}"/>
               </a:ext>
             </a:extLst>
           </p:cNvPr>
@@ -1862,7 +1862,7 @@
           <a:bodyPr/>
           <a:lstStyle/>
           <a:p>
-            <a:fld id="{2FA0CA3F-6FBB-4755-81E5-7E3669F30A83}" type="slidenum">
+            <a:fld id="{FF6DC2EA-8BFE-4F0D-B3CF-E8F26B38F22A}" type="slidenum">
               <a:rPr lang="zh-CN" altLang="en-US" smtClean="0"/>
               <a:t>‹#›</a:t>
             </a:fld>
@@ -1873,7 +1873,7 @@
     </p:spTree>
     <p:extLst>
       <p:ext uri="{BB962C8B-B14F-4D97-AF65-F5344CB8AC3E}">
-        <p14:creationId xmlns:p14="http://schemas.microsoft.com/office/powerpoint/2010/main" val="2713128503"/>
+        <p14:creationId xmlns:p14="http://schemas.microsoft.com/office/powerpoint/2010/main" val="4253862735"/>
       </p:ext>
     </p:extLst>
   </p:cSld>
@@ -1905,7 +1905,7 @@
           <p:cNvPr id="2" name="标题 1">
             <a:extLst>
               <a:ext uri="{FF2B5EF4-FFF2-40B4-BE49-F238E27FC236}">
-                <a16:creationId xmlns:a16="http://schemas.microsoft.com/office/drawing/2014/main" id="{897B8D19-AEFA-8089-415A-4245782EE80C}"/>
+                <a16:creationId xmlns:a16="http://schemas.microsoft.com/office/drawing/2014/main" id="{AB46A07F-F35A-4EA4-F9AA-9DBEC152255F}"/>
               </a:ext>
             </a:extLst>
           </p:cNvPr>
@@ -1933,7 +1933,7 @@
           <p:cNvPr id="3" name="日期占位符 2">
             <a:extLst>
               <a:ext uri="{FF2B5EF4-FFF2-40B4-BE49-F238E27FC236}">
-                <a16:creationId xmlns:a16="http://schemas.microsoft.com/office/drawing/2014/main" id="{AD4DD491-8BC3-9FE9-0C5E-3FC60B4B7E5A}"/>
+                <a16:creationId xmlns:a16="http://schemas.microsoft.com/office/drawing/2014/main" id="{3B70255C-D67E-2620-6C50-8A1D6C0ADC8A}"/>
               </a:ext>
             </a:extLst>
           </p:cNvPr>
@@ -1949,7 +1949,7 @@
           <a:bodyPr/>
           <a:lstStyle/>
           <a:p>
-            <a:fld id="{5E634919-F3D1-4B37-8C37-6C8CFBE7E546}" type="datetimeFigureOut">
+            <a:fld id="{CBBC9430-968F-462A-8B7D-FCFB8A0FB5A2}" type="datetimeFigureOut">
               <a:rPr lang="zh-CN" altLang="en-US" smtClean="0"/>
               <a:t>2024/3/10</a:t>
             </a:fld>
@@ -1962,7 +1962,7 @@
           <p:cNvPr id="4" name="页脚占位符 3">
             <a:extLst>
               <a:ext uri="{FF2B5EF4-FFF2-40B4-BE49-F238E27FC236}">
-                <a16:creationId xmlns:a16="http://schemas.microsoft.com/office/drawing/2014/main" id="{D2A0D097-D7A8-5754-FD29-BA18E4F7B427}"/>
+                <a16:creationId xmlns:a16="http://schemas.microsoft.com/office/drawing/2014/main" id="{A7BEC6C8-DE3A-93EA-6C3F-D7FA5DF2A811}"/>
               </a:ext>
             </a:extLst>
           </p:cNvPr>
@@ -1987,7 +1987,7 @@
           <p:cNvPr id="5" name="灯片编号占位符 4">
             <a:extLst>
               <a:ext uri="{FF2B5EF4-FFF2-40B4-BE49-F238E27FC236}">
-                <a16:creationId xmlns:a16="http://schemas.microsoft.com/office/drawing/2014/main" id="{62B4D182-C136-1ADA-F299-CCF679FDD291}"/>
+                <a16:creationId xmlns:a16="http://schemas.microsoft.com/office/drawing/2014/main" id="{CF04B661-6106-BBC2-DF5D-F94E0E67D51A}"/>
               </a:ext>
             </a:extLst>
           </p:cNvPr>
@@ -2003,7 +2003,7 @@
           <a:bodyPr/>
           <a:lstStyle/>
           <a:p>
-            <a:fld id="{2FA0CA3F-6FBB-4755-81E5-7E3669F30A83}" type="slidenum">
+            <a:fld id="{FF6DC2EA-8BFE-4F0D-B3CF-E8F26B38F22A}" type="slidenum">
               <a:rPr lang="zh-CN" altLang="en-US" smtClean="0"/>
               <a:t>‹#›</a:t>
             </a:fld>
@@ -2014,7 +2014,7 @@
     </p:spTree>
     <p:extLst>
       <p:ext uri="{BB962C8B-B14F-4D97-AF65-F5344CB8AC3E}">
-        <p14:creationId xmlns:p14="http://schemas.microsoft.com/office/powerpoint/2010/main" val="1064733789"/>
+        <p14:creationId xmlns:p14="http://schemas.microsoft.com/office/powerpoint/2010/main" val="608934033"/>
       </p:ext>
     </p:extLst>
   </p:cSld>
@@ -2046,7 +2046,7 @@
           <p:cNvPr id="2" name="日期占位符 1">
             <a:extLst>
               <a:ext uri="{FF2B5EF4-FFF2-40B4-BE49-F238E27FC236}">
-                <a16:creationId xmlns:a16="http://schemas.microsoft.com/office/drawing/2014/main" id="{9EABD660-CD2B-126A-AE9B-AEFCCBE210EC}"/>
+                <a16:creationId xmlns:a16="http://schemas.microsoft.com/office/drawing/2014/main" id="{E58247A8-0DA8-F9FB-4A5A-54E0EA0AFE23}"/>
               </a:ext>
             </a:extLst>
           </p:cNvPr>
@@ -2062,7 +2062,7 @@
           <a:bodyPr/>
           <a:lstStyle/>
           <a:p>
-            <a:fld id="{5E634919-F3D1-4B37-8C37-6C8CFBE7E546}" type="datetimeFigureOut">
+            <a:fld id="{CBBC9430-968F-462A-8B7D-FCFB8A0FB5A2}" type="datetimeFigureOut">
               <a:rPr lang="zh-CN" altLang="en-US" smtClean="0"/>
               <a:t>2024/3/10</a:t>
             </a:fld>
@@ -2075,7 +2075,7 @@
           <p:cNvPr id="3" name="页脚占位符 2">
             <a:extLst>
               <a:ext uri="{FF2B5EF4-FFF2-40B4-BE49-F238E27FC236}">
-                <a16:creationId xmlns:a16="http://schemas.microsoft.com/office/drawing/2014/main" id="{CD655A82-A56B-6901-9C78-F06A797D8384}"/>
+                <a16:creationId xmlns:a16="http://schemas.microsoft.com/office/drawing/2014/main" id="{B321DBBA-2125-5F35-B259-3144CC9A5F56}"/>
               </a:ext>
             </a:extLst>
           </p:cNvPr>
@@ -2100,7 +2100,7 @@
           <p:cNvPr id="4" name="灯片编号占位符 3">
             <a:extLst>
               <a:ext uri="{FF2B5EF4-FFF2-40B4-BE49-F238E27FC236}">
-                <a16:creationId xmlns:a16="http://schemas.microsoft.com/office/drawing/2014/main" id="{E00C55C5-78EA-FCAB-4A07-1D854E449B80}"/>
+                <a16:creationId xmlns:a16="http://schemas.microsoft.com/office/drawing/2014/main" id="{E2F64293-A927-FBC9-B05C-2DF3F18F4081}"/>
               </a:ext>
             </a:extLst>
           </p:cNvPr>
@@ -2116,7 +2116,7 @@
           <a:bodyPr/>
           <a:lstStyle/>
           <a:p>
-            <a:fld id="{2FA0CA3F-6FBB-4755-81E5-7E3669F30A83}" type="slidenum">
+            <a:fld id="{FF6DC2EA-8BFE-4F0D-B3CF-E8F26B38F22A}" type="slidenum">
               <a:rPr lang="zh-CN" altLang="en-US" smtClean="0"/>
               <a:t>‹#›</a:t>
             </a:fld>
@@ -2127,7 +2127,7 @@
     </p:spTree>
     <p:extLst>
       <p:ext uri="{BB962C8B-B14F-4D97-AF65-F5344CB8AC3E}">
-        <p14:creationId xmlns:p14="http://schemas.microsoft.com/office/powerpoint/2010/main" val="1071348381"/>
+        <p14:creationId xmlns:p14="http://schemas.microsoft.com/office/powerpoint/2010/main" val="1205279347"/>
       </p:ext>
     </p:extLst>
   </p:cSld>
@@ -2159,7 +2159,7 @@
           <p:cNvPr id="2" name="标题 1">
             <a:extLst>
               <a:ext uri="{FF2B5EF4-FFF2-40B4-BE49-F238E27FC236}">
-                <a16:creationId xmlns:a16="http://schemas.microsoft.com/office/drawing/2014/main" id="{CDEF42A5-9292-D576-69E1-CE904AE0204D}"/>
+                <a16:creationId xmlns:a16="http://schemas.microsoft.com/office/drawing/2014/main" id="{A91E2C9C-4E6C-CC31-D96F-5C82F916EDC3}"/>
               </a:ext>
             </a:extLst>
           </p:cNvPr>
@@ -2196,7 +2196,7 @@
           <p:cNvPr id="3" name="内容占位符 2">
             <a:extLst>
               <a:ext uri="{FF2B5EF4-FFF2-40B4-BE49-F238E27FC236}">
-                <a16:creationId xmlns:a16="http://schemas.microsoft.com/office/drawing/2014/main" id="{27EFBD2B-280A-578D-8103-7A67355A8DA1}"/>
+                <a16:creationId xmlns:a16="http://schemas.microsoft.com/office/drawing/2014/main" id="{CD0D6222-9E76-722E-858F-5C6F06D78720}"/>
               </a:ext>
             </a:extLst>
           </p:cNvPr>
@@ -2286,7 +2286,7 @@
           <p:cNvPr id="4" name="文本占位符 3">
             <a:extLst>
               <a:ext uri="{FF2B5EF4-FFF2-40B4-BE49-F238E27FC236}">
-                <a16:creationId xmlns:a16="http://schemas.microsoft.com/office/drawing/2014/main" id="{CB9BC6F7-E799-11A5-00CE-E52C8A8EEE10}"/>
+                <a16:creationId xmlns:a16="http://schemas.microsoft.com/office/drawing/2014/main" id="{F4044314-3AFF-AFF1-D979-E3288B2CE4B5}"/>
               </a:ext>
             </a:extLst>
           </p:cNvPr>
@@ -2357,7 +2357,7 @@
           <p:cNvPr id="5" name="日期占位符 4">
             <a:extLst>
               <a:ext uri="{FF2B5EF4-FFF2-40B4-BE49-F238E27FC236}">
-                <a16:creationId xmlns:a16="http://schemas.microsoft.com/office/drawing/2014/main" id="{D51521BD-E923-2E3C-BF3E-F41684884EEE}"/>
+                <a16:creationId xmlns:a16="http://schemas.microsoft.com/office/drawing/2014/main" id="{32195513-141A-E520-4BA8-C1938ECF492F}"/>
               </a:ext>
             </a:extLst>
           </p:cNvPr>
@@ -2373,7 +2373,7 @@
           <a:bodyPr/>
           <a:lstStyle/>
           <a:p>
-            <a:fld id="{5E634919-F3D1-4B37-8C37-6C8CFBE7E546}" type="datetimeFigureOut">
+            <a:fld id="{CBBC9430-968F-462A-8B7D-FCFB8A0FB5A2}" type="datetimeFigureOut">
               <a:rPr lang="zh-CN" altLang="en-US" smtClean="0"/>
               <a:t>2024/3/10</a:t>
             </a:fld>
@@ -2386,7 +2386,7 @@
           <p:cNvPr id="6" name="页脚占位符 5">
             <a:extLst>
               <a:ext uri="{FF2B5EF4-FFF2-40B4-BE49-F238E27FC236}">
-                <a16:creationId xmlns:a16="http://schemas.microsoft.com/office/drawing/2014/main" id="{18B65DFB-FA5D-2BD7-C8AA-4F4BF66999CE}"/>
+                <a16:creationId xmlns:a16="http://schemas.microsoft.com/office/drawing/2014/main" id="{B664E5FF-1F3C-3066-8735-AACF72E0E4FB}"/>
               </a:ext>
             </a:extLst>
           </p:cNvPr>
@@ -2411,7 +2411,7 @@
           <p:cNvPr id="7" name="灯片编号占位符 6">
             <a:extLst>
               <a:ext uri="{FF2B5EF4-FFF2-40B4-BE49-F238E27FC236}">
-                <a16:creationId xmlns:a16="http://schemas.microsoft.com/office/drawing/2014/main" id="{E274A638-3FC3-7AF3-AEAE-62549F3CD59A}"/>
+                <a16:creationId xmlns:a16="http://schemas.microsoft.com/office/drawing/2014/main" id="{E2099E51-119A-31EB-34A9-11AB31D117DE}"/>
               </a:ext>
             </a:extLst>
           </p:cNvPr>
@@ -2427,7 +2427,7 @@
           <a:bodyPr/>
           <a:lstStyle/>
           <a:p>
-            <a:fld id="{2FA0CA3F-6FBB-4755-81E5-7E3669F30A83}" type="slidenum">
+            <a:fld id="{FF6DC2EA-8BFE-4F0D-B3CF-E8F26B38F22A}" type="slidenum">
               <a:rPr lang="zh-CN" altLang="en-US" smtClean="0"/>
               <a:t>‹#›</a:t>
             </a:fld>
@@ -2438,7 +2438,7 @@
     </p:spTree>
     <p:extLst>
       <p:ext uri="{BB962C8B-B14F-4D97-AF65-F5344CB8AC3E}">
-        <p14:creationId xmlns:p14="http://schemas.microsoft.com/office/powerpoint/2010/main" val="2657581665"/>
+        <p14:creationId xmlns:p14="http://schemas.microsoft.com/office/powerpoint/2010/main" val="3757635948"/>
       </p:ext>
     </p:extLst>
   </p:cSld>
@@ -2470,7 +2470,7 @@
           <p:cNvPr id="2" name="标题 1">
             <a:extLst>
               <a:ext uri="{FF2B5EF4-FFF2-40B4-BE49-F238E27FC236}">
-                <a16:creationId xmlns:a16="http://schemas.microsoft.com/office/drawing/2014/main" id="{C494A0E8-CA0B-5E19-467F-77A0E567E576}"/>
+                <a16:creationId xmlns:a16="http://schemas.microsoft.com/office/drawing/2014/main" id="{539EA538-8658-09F0-3B61-77F9875E6277}"/>
               </a:ext>
             </a:extLst>
           </p:cNvPr>
@@ -2507,7 +2507,7 @@
           <p:cNvPr id="3" name="图片占位符 2">
             <a:extLst>
               <a:ext uri="{FF2B5EF4-FFF2-40B4-BE49-F238E27FC236}">
-                <a16:creationId xmlns:a16="http://schemas.microsoft.com/office/drawing/2014/main" id="{D53A33AA-D82C-62AF-E1F7-C4361B93D62B}"/>
+                <a16:creationId xmlns:a16="http://schemas.microsoft.com/office/drawing/2014/main" id="{D69FDF1C-6312-A2F7-0452-0D610BB5ABC8}"/>
               </a:ext>
             </a:extLst>
           </p:cNvPr>
@@ -2574,7 +2574,7 @@
           <p:cNvPr id="4" name="文本占位符 3">
             <a:extLst>
               <a:ext uri="{FF2B5EF4-FFF2-40B4-BE49-F238E27FC236}">
-                <a16:creationId xmlns:a16="http://schemas.microsoft.com/office/drawing/2014/main" id="{8505E826-B45A-6386-A1EA-5B94207BD79E}"/>
+                <a16:creationId xmlns:a16="http://schemas.microsoft.com/office/drawing/2014/main" id="{30ACA22C-4F3D-EE79-40F0-EF4124DD614F}"/>
               </a:ext>
             </a:extLst>
           </p:cNvPr>
@@ -2645,7 +2645,7 @@
           <p:cNvPr id="5" name="日期占位符 4">
             <a:extLst>
               <a:ext uri="{FF2B5EF4-FFF2-40B4-BE49-F238E27FC236}">
-                <a16:creationId xmlns:a16="http://schemas.microsoft.com/office/drawing/2014/main" id="{D9B84447-FBCF-38D5-3931-87ED3DA4FC94}"/>
+                <a16:creationId xmlns:a16="http://schemas.microsoft.com/office/drawing/2014/main" id="{8C2F0DE8-298C-D2B7-5801-C648718E4124}"/>
               </a:ext>
             </a:extLst>
           </p:cNvPr>
@@ -2661,7 +2661,7 @@
           <a:bodyPr/>
           <a:lstStyle/>
           <a:p>
-            <a:fld id="{5E634919-F3D1-4B37-8C37-6C8CFBE7E546}" type="datetimeFigureOut">
+            <a:fld id="{CBBC9430-968F-462A-8B7D-FCFB8A0FB5A2}" type="datetimeFigureOut">
               <a:rPr lang="zh-CN" altLang="en-US" smtClean="0"/>
               <a:t>2024/3/10</a:t>
             </a:fld>
@@ -2674,7 +2674,7 @@
           <p:cNvPr id="6" name="页脚占位符 5">
             <a:extLst>
               <a:ext uri="{FF2B5EF4-FFF2-40B4-BE49-F238E27FC236}">
-                <a16:creationId xmlns:a16="http://schemas.microsoft.com/office/drawing/2014/main" id="{E51AECF0-D2B6-A0CA-49F2-1AEA80303012}"/>
+                <a16:creationId xmlns:a16="http://schemas.microsoft.com/office/drawing/2014/main" id="{88A03CF3-0896-DF24-574B-085430E0B7B5}"/>
               </a:ext>
             </a:extLst>
           </p:cNvPr>
@@ -2699,7 +2699,7 @@
           <p:cNvPr id="7" name="灯片编号占位符 6">
             <a:extLst>
               <a:ext uri="{FF2B5EF4-FFF2-40B4-BE49-F238E27FC236}">
-                <a16:creationId xmlns:a16="http://schemas.microsoft.com/office/drawing/2014/main" id="{45C80E5E-9737-A3D1-278B-960D8286692F}"/>
+                <a16:creationId xmlns:a16="http://schemas.microsoft.com/office/drawing/2014/main" id="{4E7E9057-9F43-5E20-B194-0686B16E2D26}"/>
               </a:ext>
             </a:extLst>
           </p:cNvPr>
@@ -2715,7 +2715,7 @@
           <a:bodyPr/>
           <a:lstStyle/>
           <a:p>
-            <a:fld id="{2FA0CA3F-6FBB-4755-81E5-7E3669F30A83}" type="slidenum">
+            <a:fld id="{FF6DC2EA-8BFE-4F0D-B3CF-E8F26B38F22A}" type="slidenum">
               <a:rPr lang="zh-CN" altLang="en-US" smtClean="0"/>
               <a:t>‹#›</a:t>
             </a:fld>
@@ -2726,7 +2726,7 @@
     </p:spTree>
     <p:extLst>
       <p:ext uri="{BB962C8B-B14F-4D97-AF65-F5344CB8AC3E}">
-        <p14:creationId xmlns:p14="http://schemas.microsoft.com/office/powerpoint/2010/main" val="3033674341"/>
+        <p14:creationId xmlns:p14="http://schemas.microsoft.com/office/powerpoint/2010/main" val="173604179"/>
       </p:ext>
     </p:extLst>
   </p:cSld>
@@ -2763,7 +2763,7 @@
           <p:cNvPr id="2" name="标题占位符 1">
             <a:extLst>
               <a:ext uri="{FF2B5EF4-FFF2-40B4-BE49-F238E27FC236}">
-                <a16:creationId xmlns:a16="http://schemas.microsoft.com/office/drawing/2014/main" id="{BBDC9877-CCE8-9B66-8CC8-CEA8FA8D2D03}"/>
+                <a16:creationId xmlns:a16="http://schemas.microsoft.com/office/drawing/2014/main" id="{B9989420-8F59-F148-6671-D4DF61147828}"/>
               </a:ext>
             </a:extLst>
           </p:cNvPr>
@@ -2801,7 +2801,7 @@
           <p:cNvPr id="3" name="文本占位符 2">
             <a:extLst>
               <a:ext uri="{FF2B5EF4-FFF2-40B4-BE49-F238E27FC236}">
-                <a16:creationId xmlns:a16="http://schemas.microsoft.com/office/drawing/2014/main" id="{2BA8CFD5-D593-8EA8-BB5A-79A81CC365D8}"/>
+                <a16:creationId xmlns:a16="http://schemas.microsoft.com/office/drawing/2014/main" id="{169D51F6-D7BD-1DBF-87F4-ADAD40F8EC99}"/>
               </a:ext>
             </a:extLst>
           </p:cNvPr>
@@ -2868,7 +2868,7 @@
           <p:cNvPr id="4" name="日期占位符 3">
             <a:extLst>
               <a:ext uri="{FF2B5EF4-FFF2-40B4-BE49-F238E27FC236}">
-                <a16:creationId xmlns:a16="http://schemas.microsoft.com/office/drawing/2014/main" id="{E19B2690-EAE5-5BD9-7AFB-676D99AFF412}"/>
+                <a16:creationId xmlns:a16="http://schemas.microsoft.com/office/drawing/2014/main" id="{6823315B-0E42-958F-AE95-5F1E3C766751}"/>
               </a:ext>
             </a:extLst>
           </p:cNvPr>
@@ -2902,7 +2902,7 @@
             </a:lvl1pPr>
           </a:lstStyle>
           <a:p>
-            <a:fld id="{5E634919-F3D1-4B37-8C37-6C8CFBE7E546}" type="datetimeFigureOut">
+            <a:fld id="{CBBC9430-968F-462A-8B7D-FCFB8A0FB5A2}" type="datetimeFigureOut">
               <a:rPr lang="zh-CN" altLang="en-US" smtClean="0"/>
               <a:t>2024/3/10</a:t>
             </a:fld>
@@ -2915,7 +2915,7 @@
           <p:cNvPr id="5" name="页脚占位符 4">
             <a:extLst>
               <a:ext uri="{FF2B5EF4-FFF2-40B4-BE49-F238E27FC236}">
-                <a16:creationId xmlns:a16="http://schemas.microsoft.com/office/drawing/2014/main" id="{6F68D8D6-FD72-454B-962E-8308BCC79F71}"/>
+                <a16:creationId xmlns:a16="http://schemas.microsoft.com/office/drawing/2014/main" id="{56750FAE-B557-9068-2DA3-7091D240F86C}"/>
               </a:ext>
             </a:extLst>
           </p:cNvPr>
@@ -2958,7 +2958,7 @@
           <p:cNvPr id="6" name="灯片编号占位符 5">
             <a:extLst>
               <a:ext uri="{FF2B5EF4-FFF2-40B4-BE49-F238E27FC236}">
-                <a16:creationId xmlns:a16="http://schemas.microsoft.com/office/drawing/2014/main" id="{0CF4534C-FC0D-6A8D-A560-53760C12DA00}"/>
+                <a16:creationId xmlns:a16="http://schemas.microsoft.com/office/drawing/2014/main" id="{7A6EDE96-D5FE-392C-311E-648F5AB95A5C}"/>
               </a:ext>
             </a:extLst>
           </p:cNvPr>
@@ -2992,7 +2992,7 @@
             </a:lvl1pPr>
           </a:lstStyle>
           <a:p>
-            <a:fld id="{2FA0CA3F-6FBB-4755-81E5-7E3669F30A83}" type="slidenum">
+            <a:fld id="{FF6DC2EA-8BFE-4F0D-B3CF-E8F26B38F22A}" type="slidenum">
               <a:rPr lang="zh-CN" altLang="en-US" smtClean="0"/>
               <a:t>‹#›</a:t>
             </a:fld>
@@ -3003,7 +3003,7 @@
     </p:spTree>
     <p:extLst>
       <p:ext uri="{BB962C8B-B14F-4D97-AF65-F5344CB8AC3E}">
-        <p14:creationId xmlns:p14="http://schemas.microsoft.com/office/powerpoint/2010/main" val="1187258496"/>
+        <p14:creationId xmlns:p14="http://schemas.microsoft.com/office/powerpoint/2010/main" val="3337698026"/>
       </p:ext>
     </p:extLst>
   </p:cSld>
